--- a/slides/03.pptx
+++ b/slides/03.pptx
@@ -122,6 +122,22 @@
       </a:defRPr>
     </a:lvl9pPr>
   </p:defaultTextStyle>
+  <p:extLst>
+    <p:ext uri="{EFAFB233-063F-42B5-8137-9DF3F51BA10A}">
+      <p15:sldGuideLst xmlns:p15="http://schemas.microsoft.com/office/powerpoint/2012/main">
+        <p15:guide id="1" orient="horz" pos="2160">
+          <p15:clr>
+            <a:srgbClr val="A4A3A4"/>
+          </p15:clr>
+        </p15:guide>
+        <p15:guide id="2" pos="2880">
+          <p15:clr>
+            <a:srgbClr val="A4A3A4"/>
+          </p15:clr>
+        </p15:guide>
+      </p15:sldGuideLst>
+    </p:ext>
+  </p:extLst>
 </p:presentation>
 </file>
 
@@ -207,7 +223,7 @@
           <a:p>
             <a:fld id="{2A94AA5B-A8EE-4DCD-80A3-7365DA41FF59}" type="datetimeFigureOut">
               <a:rPr lang="en-US" smtClean="0"/>
-              <a:t>12/23/2017</a:t>
+              <a:t>1/26/2018</a:t>
             </a:fld>
             <a:endParaRPr lang="en-US"/>
           </a:p>
@@ -626,6 +642,11 @@
         </p:txBody>
       </p:sp>
     </p:spTree>
+    <p:extLst>
+      <p:ext uri="{BB962C8B-B14F-4D97-AF65-F5344CB8AC3E}">
+        <p14:creationId xmlns:p14="http://schemas.microsoft.com/office/powerpoint/2010/main" val="149575501"/>
+      </p:ext>
+    </p:extLst>
   </p:cSld>
   <p:clrMapOvr>
     <a:masterClrMapping/>
@@ -697,7 +718,7 @@
           <a:p>
             <a:fld id="{D33393BA-71B2-418D-8C60-58889831A0EC}" type="datetimeFigureOut">
               <a:rPr lang="en-US" smtClean="0"/>
-              <a:t>12/23/2017</a:t>
+              <a:t>1/26/2018</a:t>
             </a:fld>
             <a:endParaRPr lang="en-US"/>
           </a:p>
@@ -1020,7 +1041,7 @@
           <a:p>
             <a:fld id="{D33393BA-71B2-418D-8C60-58889831A0EC}" type="datetimeFigureOut">
               <a:rPr lang="en-US" smtClean="0"/>
-              <a:t>12/23/2017</a:t>
+              <a:t>1/26/2018</a:t>
             </a:fld>
             <a:endParaRPr lang="en-US"/>
           </a:p>
@@ -1212,7 +1233,7 @@
           <a:p>
             <a:fld id="{D33393BA-71B2-418D-8C60-58889831A0EC}" type="datetimeFigureOut">
               <a:rPr lang="en-US" smtClean="0"/>
-              <a:t>12/23/2017</a:t>
+              <a:t>1/26/2018</a:t>
             </a:fld>
             <a:endParaRPr lang="en-US"/>
           </a:p>
@@ -1380,7 +1401,7 @@
           <a:p>
             <a:fld id="{D33393BA-71B2-418D-8C60-58889831A0EC}" type="datetimeFigureOut">
               <a:rPr lang="en-US" smtClean="0"/>
-              <a:t>12/23/2017</a:t>
+              <a:t>1/26/2018</a:t>
             </a:fld>
             <a:endParaRPr lang="en-US"/>
           </a:p>
@@ -1558,7 +1579,7 @@
           <a:p>
             <a:fld id="{D33393BA-71B2-418D-8C60-58889831A0EC}" type="datetimeFigureOut">
               <a:rPr lang="en-US" smtClean="0"/>
-              <a:t>12/23/2017</a:t>
+              <a:t>1/26/2018</a:t>
             </a:fld>
             <a:endParaRPr lang="en-US"/>
           </a:p>
@@ -1850,7 +1871,7 @@
           <a:p>
             <a:fld id="{D33393BA-71B2-418D-8C60-58889831A0EC}" type="datetimeFigureOut">
               <a:rPr lang="en-US" smtClean="0"/>
-              <a:t>12/23/2017</a:t>
+              <a:t>1/26/2018</a:t>
             </a:fld>
             <a:endParaRPr lang="en-US"/>
           </a:p>
@@ -2120,7 +2141,7 @@
             <a:fld id="{8F97F932-D99A-4087-BFB1-EA42FAFC8D2C}" type="datetime1">
               <a:rPr lang="en-US" smtClean="0"/>
               <a:pPr/>
-              <a:t>12/23/2017</a:t>
+              <a:t>1/26/2018</a:t>
             </a:fld>
             <a:endParaRPr lang="en-US"/>
           </a:p>
@@ -2419,7 +2440,7 @@
           <a:p>
             <a:fld id="{D33393BA-71B2-418D-8C60-58889831A0EC}" type="datetimeFigureOut">
               <a:rPr lang="en-US" smtClean="0"/>
-              <a:t>12/23/2017</a:t>
+              <a:t>1/26/2018</a:t>
             </a:fld>
             <a:endParaRPr lang="en-US"/>
           </a:p>
@@ -2712,7 +2733,7 @@
           <a:p>
             <a:fld id="{D33393BA-71B2-418D-8C60-58889831A0EC}" type="datetimeFigureOut">
               <a:rPr lang="en-US" smtClean="0"/>
-              <a:t>12/23/2017</a:t>
+              <a:t>1/26/2018</a:t>
             </a:fld>
             <a:endParaRPr lang="en-US"/>
           </a:p>
@@ -3140,7 +3161,7 @@
           <a:p>
             <a:fld id="{D33393BA-71B2-418D-8C60-58889831A0EC}" type="datetimeFigureOut">
               <a:rPr lang="en-US" smtClean="0"/>
-              <a:t>12/23/2017</a:t>
+              <a:t>1/26/2018</a:t>
             </a:fld>
             <a:endParaRPr lang="en-US"/>
           </a:p>
@@ -3370,7 +3391,7 @@
           <a:p>
             <a:fld id="{D33393BA-71B2-418D-8C60-58889831A0EC}" type="datetimeFigureOut">
               <a:rPr lang="en-US" smtClean="0"/>
-              <a:t>12/23/2017</a:t>
+              <a:t>1/26/2018</a:t>
             </a:fld>
             <a:endParaRPr lang="en-US"/>
           </a:p>
@@ -3460,7 +3481,7 @@
           <a:p>
             <a:fld id="{D33393BA-71B2-418D-8C60-58889831A0EC}" type="datetimeFigureOut">
               <a:rPr lang="en-US" smtClean="0"/>
-              <a:t>12/23/2017</a:t>
+              <a:t>1/26/2018</a:t>
             </a:fld>
             <a:endParaRPr lang="en-US"/>
           </a:p>
@@ -3710,7 +3731,7 @@
           <a:p>
             <a:fld id="{D33393BA-71B2-418D-8C60-58889831A0EC}" type="datetimeFigureOut">
               <a:rPr lang="en-US" smtClean="0"/>
-              <a:t>12/23/2017</a:t>
+              <a:t>1/26/2018</a:t>
             </a:fld>
             <a:endParaRPr lang="en-US"/>
           </a:p>
@@ -4226,7 +4247,7 @@
           <a:p>
             <a:fld id="{D33393BA-71B2-418D-8C60-58889831A0EC}" type="datetimeFigureOut">
               <a:rPr lang="en-US" smtClean="0"/>
-              <a:t>12/23/2017</a:t>
+              <a:t>1/26/2018</a:t>
             </a:fld>
             <a:endParaRPr lang="en-US"/>
           </a:p>
@@ -4391,7 +4412,7 @@
           <a:p>
             <a:fld id="{D33393BA-71B2-418D-8C60-58889831A0EC}" type="datetimeFigureOut">
               <a:rPr lang="en-US" smtClean="0"/>
-              <a:t>12/23/2017</a:t>
+              <a:t>1/26/2018</a:t>
             </a:fld>
             <a:endParaRPr lang="en-US"/>
           </a:p>
@@ -4566,7 +4587,7 @@
           <a:p>
             <a:fld id="{D33393BA-71B2-418D-8C60-58889831A0EC}" type="datetimeFigureOut">
               <a:rPr lang="en-US" smtClean="0"/>
-              <a:t>12/23/2017</a:t>
+              <a:t>1/26/2018</a:t>
             </a:fld>
             <a:endParaRPr lang="en-US"/>
           </a:p>
@@ -4814,7 +4835,7 @@
           <a:p>
             <a:fld id="{D33393BA-71B2-418D-8C60-58889831A0EC}" type="datetimeFigureOut">
               <a:rPr lang="en-US" smtClean="0"/>
-              <a:t>12/23/2017</a:t>
+              <a:t>1/26/2018</a:t>
             </a:fld>
             <a:endParaRPr lang="en-US"/>
           </a:p>
@@ -4998,7 +5019,7 @@
             <a:fld id="{8F97F932-D99A-4087-BFB1-EA42FAFC8D2C}" type="datetime1">
               <a:rPr lang="en-US" smtClean="0"/>
               <a:pPr/>
-              <a:t>12/23/2017</a:t>
+              <a:t>1/26/2018</a:t>
             </a:fld>
             <a:endParaRPr lang="en-US"/>
           </a:p>
@@ -5261,7 +5282,7 @@
           <a:p>
             <a:fld id="{D33393BA-71B2-418D-8C60-58889831A0EC}" type="datetimeFigureOut">
               <a:rPr lang="en-US" smtClean="0"/>
-              <a:t>12/23/2017</a:t>
+              <a:t>1/26/2018</a:t>
             </a:fld>
             <a:endParaRPr lang="en-US"/>
           </a:p>
@@ -5609,7 +5630,7 @@
           <a:p>
             <a:fld id="{D33393BA-71B2-418D-8C60-58889831A0EC}" type="datetimeFigureOut">
               <a:rPr lang="en-US" smtClean="0"/>
-              <a:t>12/23/2017</a:t>
+              <a:t>1/26/2018</a:t>
             </a:fld>
             <a:endParaRPr lang="en-US"/>
           </a:p>
@@ -5864,7 +5885,7 @@
           <a:p>
             <a:fld id="{D33393BA-71B2-418D-8C60-58889831A0EC}" type="datetimeFigureOut">
               <a:rPr lang="en-US" smtClean="0"/>
-              <a:t>12/23/2017</a:t>
+              <a:t>1/26/2018</a:t>
             </a:fld>
             <a:endParaRPr lang="en-US"/>
           </a:p>
@@ -6128,7 +6149,7 @@
           <a:p>
             <a:fld id="{D33393BA-71B2-418D-8C60-58889831A0EC}" type="datetimeFigureOut">
               <a:rPr lang="en-US" smtClean="0"/>
-              <a:t>12/23/2017</a:t>
+              <a:t>1/26/2018</a:t>
             </a:fld>
             <a:endParaRPr lang="en-US"/>
           </a:p>
@@ -6355,7 +6376,7 @@
           <a:p>
             <a:fld id="{D33393BA-71B2-418D-8C60-58889831A0EC}" type="datetimeFigureOut">
               <a:rPr lang="en-US" smtClean="0"/>
-              <a:t>12/23/2017</a:t>
+              <a:t>1/26/2018</a:t>
             </a:fld>
             <a:endParaRPr lang="en-US"/>
           </a:p>
@@ -6445,7 +6466,7 @@
           <a:p>
             <a:fld id="{D33393BA-71B2-418D-8C60-58889831A0EC}" type="datetimeFigureOut">
               <a:rPr lang="en-US" smtClean="0"/>
-              <a:t>12/23/2017</a:t>
+              <a:t>1/26/2018</a:t>
             </a:fld>
             <a:endParaRPr lang="en-US"/>
           </a:p>
@@ -6733,7 +6754,7 @@
           <a:p>
             <a:fld id="{D33393BA-71B2-418D-8C60-58889831A0EC}" type="datetimeFigureOut">
               <a:rPr lang="en-US" smtClean="0"/>
-              <a:t>12/23/2017</a:t>
+              <a:t>1/26/2018</a:t>
             </a:fld>
             <a:endParaRPr lang="en-US"/>
           </a:p>
@@ -7002,7 +7023,7 @@
           <a:p>
             <a:fld id="{D33393BA-71B2-418D-8C60-58889831A0EC}" type="datetimeFigureOut">
               <a:rPr lang="en-US" smtClean="0"/>
-              <a:t>12/23/2017</a:t>
+              <a:t>1/26/2018</a:t>
             </a:fld>
             <a:endParaRPr lang="en-US"/>
           </a:p>
@@ -7167,7 +7188,7 @@
           <a:p>
             <a:fld id="{D33393BA-71B2-418D-8C60-58889831A0EC}" type="datetimeFigureOut">
               <a:rPr lang="en-US" smtClean="0"/>
-              <a:t>12/23/2017</a:t>
+              <a:t>1/26/2018</a:t>
             </a:fld>
             <a:endParaRPr lang="en-US"/>
           </a:p>
@@ -7342,7 +7363,7 @@
           <a:p>
             <a:fld id="{D33393BA-71B2-418D-8C60-58889831A0EC}" type="datetimeFigureOut">
               <a:rPr lang="en-US" smtClean="0"/>
-              <a:t>12/23/2017</a:t>
+              <a:t>1/26/2018</a:t>
             </a:fld>
             <a:endParaRPr lang="en-US"/>
           </a:p>
@@ -7629,7 +7650,7 @@
           <a:p>
             <a:fld id="{D33393BA-71B2-418D-8C60-58889831A0EC}" type="datetimeFigureOut">
               <a:rPr lang="en-US" smtClean="0"/>
-              <a:t>12/23/2017</a:t>
+              <a:t>1/26/2018</a:t>
             </a:fld>
             <a:endParaRPr lang="en-US"/>
           </a:p>
@@ -8068,7 +8089,7 @@
           <a:p>
             <a:fld id="{D33393BA-71B2-418D-8C60-58889831A0EC}" type="datetimeFigureOut">
               <a:rPr lang="en-US" smtClean="0"/>
-              <a:t>12/23/2017</a:t>
+              <a:t>1/26/2018</a:t>
             </a:fld>
             <a:endParaRPr lang="en-US"/>
           </a:p>
@@ -8198,7 +8219,7 @@
           <a:p>
             <a:fld id="{D33393BA-71B2-418D-8C60-58889831A0EC}" type="datetimeFigureOut">
               <a:rPr lang="en-US" smtClean="0"/>
-              <a:t>12/23/2017</a:t>
+              <a:t>1/26/2018</a:t>
             </a:fld>
             <a:endParaRPr lang="en-US"/>
           </a:p>
@@ -8305,7 +8326,7 @@
           <a:p>
             <a:fld id="{D33393BA-71B2-418D-8C60-58889831A0EC}" type="datetimeFigureOut">
               <a:rPr lang="en-US" smtClean="0"/>
-              <a:t>12/23/2017</a:t>
+              <a:t>1/26/2018</a:t>
             </a:fld>
             <a:endParaRPr lang="en-US"/>
           </a:p>
@@ -8594,7 +8615,7 @@
           <a:p>
             <a:fld id="{D33393BA-71B2-418D-8C60-58889831A0EC}" type="datetimeFigureOut">
               <a:rPr lang="en-US" smtClean="0"/>
-              <a:t>12/23/2017</a:t>
+              <a:t>1/26/2018</a:t>
             </a:fld>
             <a:endParaRPr lang="en-US"/>
           </a:p>
@@ -8863,7 +8884,7 @@
           <a:p>
             <a:fld id="{D33393BA-71B2-418D-8C60-58889831A0EC}" type="datetimeFigureOut">
               <a:rPr lang="en-US" smtClean="0"/>
-              <a:t>12/23/2017</a:t>
+              <a:t>1/26/2018</a:t>
             </a:fld>
             <a:endParaRPr lang="en-US"/>
           </a:p>
@@ -9123,7 +9144,7 @@
           <a:p>
             <a:fld id="{D33393BA-71B2-418D-8C60-58889831A0EC}" type="datetimeFigureOut">
               <a:rPr lang="en-US" smtClean="0"/>
-              <a:t>12/23/2017</a:t>
+              <a:t>1/26/2018</a:t>
             </a:fld>
             <a:endParaRPr lang="en-US"/>
           </a:p>
@@ -9964,7 +9985,7 @@
           <a:p>
             <a:fld id="{D33393BA-71B2-418D-8C60-58889831A0EC}" type="datetimeFigureOut">
               <a:rPr lang="en-US" smtClean="0"/>
-              <a:t>12/23/2017</a:t>
+              <a:t>1/26/2018</a:t>
             </a:fld>
             <a:endParaRPr lang="en-US"/>
           </a:p>
@@ -10645,7 +10666,7 @@
           <a:p>
             <a:fld id="{D33393BA-71B2-418D-8C60-58889831A0EC}" type="datetimeFigureOut">
               <a:rPr lang="en-US" smtClean="0"/>
-              <a:t>12/23/2017</a:t>
+              <a:t>1/26/2018</a:t>
             </a:fld>
             <a:endParaRPr lang="en-US"/>
           </a:p>
@@ -15775,6 +15796,9 @@
           </a:bodyPr>
           <a:lstStyle/>
           <a:p>
+            <a:pPr marL="514350" indent="-514350">
+              <a:buAutoNum type="arabicPeriod"/>
+            </a:pPr>
             <a:r>
               <a:rPr lang="en-US" sz="2800" b="1" dirty="0" smtClean="0">
                 <a:solidFill>
@@ -15785,7 +15809,19 @@
                 <a:latin typeface="Times New Roman" panose="02020603050405020304" pitchFamily="18" charset="0"/>
                 <a:cs typeface="Times New Roman" panose="02020603050405020304" pitchFamily="18" charset="0"/>
               </a:rPr>
-              <a:t>1. Angular CLI: </a:t>
+              <a:t>Angular </a:t>
+            </a:r>
+            <a:r>
+              <a:rPr lang="en-US" sz="2800" b="1" dirty="0" smtClean="0">
+                <a:solidFill>
+                  <a:schemeClr val="accent1">
+                    <a:lumMod val="50000"/>
+                  </a:schemeClr>
+                </a:solidFill>
+                <a:latin typeface="Times New Roman" panose="02020603050405020304" pitchFamily="18" charset="0"/>
+                <a:cs typeface="Times New Roman" panose="02020603050405020304" pitchFamily="18" charset="0"/>
+              </a:rPr>
+              <a:t>CLI: </a:t>
             </a:r>
             <a:r>
               <a:rPr lang="en-US" sz="2800" i="1" dirty="0" err="1">
@@ -15812,15 +15848,38 @@
               <a:t>-g </a:t>
             </a:r>
             <a:r>
-              <a:rPr lang="en-US" sz="2800" b="1" i="1" dirty="0" smtClean="0">
+              <a:rPr lang="en-US" sz="2800" i="1" dirty="0" smtClean="0">
                 <a:solidFill>
-                  <a:schemeClr val="tx2"/>
+                  <a:schemeClr val="tx2">
+                    <a:lumMod val="75000"/>
+                  </a:schemeClr>
                 </a:solidFill>
                 <a:latin typeface="Times New Roman" panose="02020603050405020304" pitchFamily="18" charset="0"/>
                 <a:cs typeface="Times New Roman" panose="02020603050405020304" pitchFamily="18" charset="0"/>
               </a:rPr>
-              <a:t>angular-cli </a:t>
-            </a:r>
+              <a:t>@</a:t>
+            </a:r>
+            <a:r>
+              <a:rPr lang="en-US" sz="2800" b="1" i="1" dirty="0" smtClean="0">
+                <a:solidFill>
+                  <a:schemeClr val="tx2">
+                    <a:lumMod val="75000"/>
+                  </a:schemeClr>
+                </a:solidFill>
+                <a:latin typeface="Times New Roman" panose="02020603050405020304" pitchFamily="18" charset="0"/>
+                <a:cs typeface="Times New Roman" panose="02020603050405020304" pitchFamily="18" charset="0"/>
+              </a:rPr>
+              <a:t>angular/cli </a:t>
+            </a:r>
+            <a:endParaRPr lang="en-US" sz="2800" b="1" i="1" dirty="0" smtClean="0">
+              <a:solidFill>
+                <a:schemeClr val="tx2">
+                  <a:lumMod val="75000"/>
+                </a:schemeClr>
+              </a:solidFill>
+              <a:latin typeface="Times New Roman" panose="02020603050405020304" pitchFamily="18" charset="0"/>
+              <a:cs typeface="Times New Roman" panose="02020603050405020304" pitchFamily="18" charset="0"/>
+            </a:endParaRPr>
           </a:p>
           <a:p>
             <a:r>
@@ -16476,8 +16535,17 @@
                 <a:latin typeface="Times New Roman" panose="02020603050405020304" pitchFamily="18" charset="0"/>
                 <a:cs typeface="Times New Roman" panose="02020603050405020304" pitchFamily="18" charset="0"/>
               </a:rPr>
-              <a:t>1. </a:t>
-            </a:r>
+              <a:t>1. Browser Module</a:t>
+            </a:r>
+            <a:endParaRPr lang="en-US" sz="2800" b="1" i="1" dirty="0" smtClean="0">
+              <a:solidFill>
+                <a:schemeClr val="tx2"/>
+              </a:solidFill>
+              <a:latin typeface="Times New Roman" panose="02020603050405020304" pitchFamily="18" charset="0"/>
+              <a:cs typeface="Times New Roman" panose="02020603050405020304" pitchFamily="18" charset="0"/>
+            </a:endParaRPr>
+          </a:p>
+          <a:p>
             <a:r>
               <a:rPr lang="en-US" sz="2800" b="1" dirty="0" smtClean="0">
                 <a:solidFill>
@@ -16488,40 +16556,7 @@
                 <a:latin typeface="Times New Roman" panose="02020603050405020304" pitchFamily="18" charset="0"/>
                 <a:cs typeface="Times New Roman" panose="02020603050405020304" pitchFamily="18" charset="0"/>
               </a:rPr>
-              <a:t>Browser Module</a:t>
-            </a:r>
-            <a:endParaRPr lang="en-US" sz="2800" b="1" i="1" dirty="0" smtClean="0">
-              <a:solidFill>
-                <a:schemeClr val="tx2"/>
-              </a:solidFill>
-              <a:latin typeface="Times New Roman" panose="02020603050405020304" pitchFamily="18" charset="0"/>
-              <a:cs typeface="Times New Roman" panose="02020603050405020304" pitchFamily="18" charset="0"/>
-            </a:endParaRPr>
-          </a:p>
-          <a:p>
-            <a:r>
-              <a:rPr lang="en-US" sz="2800" b="1" dirty="0" smtClean="0">
-                <a:solidFill>
-                  <a:schemeClr val="accent1">
-                    <a:lumMod val="50000"/>
-                  </a:schemeClr>
-                </a:solidFill>
-                <a:latin typeface="Times New Roman" panose="02020603050405020304" pitchFamily="18" charset="0"/>
-                <a:cs typeface="Times New Roman" panose="02020603050405020304" pitchFamily="18" charset="0"/>
-              </a:rPr>
-              <a:t>2. </a:t>
-            </a:r>
-            <a:r>
-              <a:rPr lang="en-US" sz="2800" b="1" dirty="0" smtClean="0">
-                <a:solidFill>
-                  <a:schemeClr val="accent1">
-                    <a:lumMod val="50000"/>
-                  </a:schemeClr>
-                </a:solidFill>
-                <a:latin typeface="Times New Roman" panose="02020603050405020304" pitchFamily="18" charset="0"/>
-                <a:cs typeface="Times New Roman" panose="02020603050405020304" pitchFamily="18" charset="0"/>
-              </a:rPr>
-              <a:t>Forms Module</a:t>
+              <a:t>2. Forms Module</a:t>
             </a:r>
             <a:endParaRPr lang="en-US" sz="2800" b="1" i="1" dirty="0" smtClean="0">
               <a:solidFill>

--- a/slides/03.pptx
+++ b/slides/03.pptx
@@ -122,22 +122,6 @@
       </a:defRPr>
     </a:lvl9pPr>
   </p:defaultTextStyle>
-  <p:extLst>
-    <p:ext uri="{EFAFB233-063F-42B5-8137-9DF3F51BA10A}">
-      <p15:sldGuideLst xmlns:p15="http://schemas.microsoft.com/office/powerpoint/2012/main">
-        <p15:guide id="1" orient="horz" pos="2160">
-          <p15:clr>
-            <a:srgbClr val="A4A3A4"/>
-          </p15:clr>
-        </p15:guide>
-        <p15:guide id="2" pos="2880">
-          <p15:clr>
-            <a:srgbClr val="A4A3A4"/>
-          </p15:clr>
-        </p15:guide>
-      </p15:sldGuideLst>
-    </p:ext>
-  </p:extLst>
 </p:presentation>
 </file>
 
@@ -223,7 +207,7 @@
           <a:p>
             <a:fld id="{2A94AA5B-A8EE-4DCD-80A3-7365DA41FF59}" type="datetimeFigureOut">
               <a:rPr lang="en-US" smtClean="0"/>
-              <a:t>1/26/2018</a:t>
+              <a:t>12/23/2017</a:t>
             </a:fld>
             <a:endParaRPr lang="en-US"/>
           </a:p>
@@ -642,11 +626,6 @@
         </p:txBody>
       </p:sp>
     </p:spTree>
-    <p:extLst>
-      <p:ext uri="{BB962C8B-B14F-4D97-AF65-F5344CB8AC3E}">
-        <p14:creationId xmlns:p14="http://schemas.microsoft.com/office/powerpoint/2010/main" val="149575501"/>
-      </p:ext>
-    </p:extLst>
   </p:cSld>
   <p:clrMapOvr>
     <a:masterClrMapping/>
@@ -718,7 +697,7 @@
           <a:p>
             <a:fld id="{D33393BA-71B2-418D-8C60-58889831A0EC}" type="datetimeFigureOut">
               <a:rPr lang="en-US" smtClean="0"/>
-              <a:t>1/26/2018</a:t>
+              <a:t>12/23/2017</a:t>
             </a:fld>
             <a:endParaRPr lang="en-US"/>
           </a:p>
@@ -1041,7 +1020,7 @@
           <a:p>
             <a:fld id="{D33393BA-71B2-418D-8C60-58889831A0EC}" type="datetimeFigureOut">
               <a:rPr lang="en-US" smtClean="0"/>
-              <a:t>1/26/2018</a:t>
+              <a:t>12/23/2017</a:t>
             </a:fld>
             <a:endParaRPr lang="en-US"/>
           </a:p>
@@ -1233,7 +1212,7 @@
           <a:p>
             <a:fld id="{D33393BA-71B2-418D-8C60-58889831A0EC}" type="datetimeFigureOut">
               <a:rPr lang="en-US" smtClean="0"/>
-              <a:t>1/26/2018</a:t>
+              <a:t>12/23/2017</a:t>
             </a:fld>
             <a:endParaRPr lang="en-US"/>
           </a:p>
@@ -1401,7 +1380,7 @@
           <a:p>
             <a:fld id="{D33393BA-71B2-418D-8C60-58889831A0EC}" type="datetimeFigureOut">
               <a:rPr lang="en-US" smtClean="0"/>
-              <a:t>1/26/2018</a:t>
+              <a:t>12/23/2017</a:t>
             </a:fld>
             <a:endParaRPr lang="en-US"/>
           </a:p>
@@ -1579,7 +1558,7 @@
           <a:p>
             <a:fld id="{D33393BA-71B2-418D-8C60-58889831A0EC}" type="datetimeFigureOut">
               <a:rPr lang="en-US" smtClean="0"/>
-              <a:t>1/26/2018</a:t>
+              <a:t>12/23/2017</a:t>
             </a:fld>
             <a:endParaRPr lang="en-US"/>
           </a:p>
@@ -1871,7 +1850,7 @@
           <a:p>
             <a:fld id="{D33393BA-71B2-418D-8C60-58889831A0EC}" type="datetimeFigureOut">
               <a:rPr lang="en-US" smtClean="0"/>
-              <a:t>1/26/2018</a:t>
+              <a:t>12/23/2017</a:t>
             </a:fld>
             <a:endParaRPr lang="en-US"/>
           </a:p>
@@ -2141,7 +2120,7 @@
             <a:fld id="{8F97F932-D99A-4087-BFB1-EA42FAFC8D2C}" type="datetime1">
               <a:rPr lang="en-US" smtClean="0"/>
               <a:pPr/>
-              <a:t>1/26/2018</a:t>
+              <a:t>12/23/2017</a:t>
             </a:fld>
             <a:endParaRPr lang="en-US"/>
           </a:p>
@@ -2440,7 +2419,7 @@
           <a:p>
             <a:fld id="{D33393BA-71B2-418D-8C60-58889831A0EC}" type="datetimeFigureOut">
               <a:rPr lang="en-US" smtClean="0"/>
-              <a:t>1/26/2018</a:t>
+              <a:t>12/23/2017</a:t>
             </a:fld>
             <a:endParaRPr lang="en-US"/>
           </a:p>
@@ -2733,7 +2712,7 @@
           <a:p>
             <a:fld id="{D33393BA-71B2-418D-8C60-58889831A0EC}" type="datetimeFigureOut">
               <a:rPr lang="en-US" smtClean="0"/>
-              <a:t>1/26/2018</a:t>
+              <a:t>12/23/2017</a:t>
             </a:fld>
             <a:endParaRPr lang="en-US"/>
           </a:p>
@@ -3161,7 +3140,7 @@
           <a:p>
             <a:fld id="{D33393BA-71B2-418D-8C60-58889831A0EC}" type="datetimeFigureOut">
               <a:rPr lang="en-US" smtClean="0"/>
-              <a:t>1/26/2018</a:t>
+              <a:t>12/23/2017</a:t>
             </a:fld>
             <a:endParaRPr lang="en-US"/>
           </a:p>
@@ -3391,7 +3370,7 @@
           <a:p>
             <a:fld id="{D33393BA-71B2-418D-8C60-58889831A0EC}" type="datetimeFigureOut">
               <a:rPr lang="en-US" smtClean="0"/>
-              <a:t>1/26/2018</a:t>
+              <a:t>12/23/2017</a:t>
             </a:fld>
             <a:endParaRPr lang="en-US"/>
           </a:p>
@@ -3481,7 +3460,7 @@
           <a:p>
             <a:fld id="{D33393BA-71B2-418D-8C60-58889831A0EC}" type="datetimeFigureOut">
               <a:rPr lang="en-US" smtClean="0"/>
-              <a:t>1/26/2018</a:t>
+              <a:t>12/23/2017</a:t>
             </a:fld>
             <a:endParaRPr lang="en-US"/>
           </a:p>
@@ -3731,7 +3710,7 @@
           <a:p>
             <a:fld id="{D33393BA-71B2-418D-8C60-58889831A0EC}" type="datetimeFigureOut">
               <a:rPr lang="en-US" smtClean="0"/>
-              <a:t>1/26/2018</a:t>
+              <a:t>12/23/2017</a:t>
             </a:fld>
             <a:endParaRPr lang="en-US"/>
           </a:p>
@@ -4247,7 +4226,7 @@
           <a:p>
             <a:fld id="{D33393BA-71B2-418D-8C60-58889831A0EC}" type="datetimeFigureOut">
               <a:rPr lang="en-US" smtClean="0"/>
-              <a:t>1/26/2018</a:t>
+              <a:t>12/23/2017</a:t>
             </a:fld>
             <a:endParaRPr lang="en-US"/>
           </a:p>
@@ -4412,7 +4391,7 @@
           <a:p>
             <a:fld id="{D33393BA-71B2-418D-8C60-58889831A0EC}" type="datetimeFigureOut">
               <a:rPr lang="en-US" smtClean="0"/>
-              <a:t>1/26/2018</a:t>
+              <a:t>12/23/2017</a:t>
             </a:fld>
             <a:endParaRPr lang="en-US"/>
           </a:p>
@@ -4587,7 +4566,7 @@
           <a:p>
             <a:fld id="{D33393BA-71B2-418D-8C60-58889831A0EC}" type="datetimeFigureOut">
               <a:rPr lang="en-US" smtClean="0"/>
-              <a:t>1/26/2018</a:t>
+              <a:t>12/23/2017</a:t>
             </a:fld>
             <a:endParaRPr lang="en-US"/>
           </a:p>
@@ -4835,7 +4814,7 @@
           <a:p>
             <a:fld id="{D33393BA-71B2-418D-8C60-58889831A0EC}" type="datetimeFigureOut">
               <a:rPr lang="en-US" smtClean="0"/>
-              <a:t>1/26/2018</a:t>
+              <a:t>12/23/2017</a:t>
             </a:fld>
             <a:endParaRPr lang="en-US"/>
           </a:p>
@@ -5019,7 +4998,7 @@
             <a:fld id="{8F97F932-D99A-4087-BFB1-EA42FAFC8D2C}" type="datetime1">
               <a:rPr lang="en-US" smtClean="0"/>
               <a:pPr/>
-              <a:t>1/26/2018</a:t>
+              <a:t>12/23/2017</a:t>
             </a:fld>
             <a:endParaRPr lang="en-US"/>
           </a:p>
@@ -5282,7 +5261,7 @@
           <a:p>
             <a:fld id="{D33393BA-71B2-418D-8C60-58889831A0EC}" type="datetimeFigureOut">
               <a:rPr lang="en-US" smtClean="0"/>
-              <a:t>1/26/2018</a:t>
+              <a:t>12/23/2017</a:t>
             </a:fld>
             <a:endParaRPr lang="en-US"/>
           </a:p>
@@ -5630,7 +5609,7 @@
           <a:p>
             <a:fld id="{D33393BA-71B2-418D-8C60-58889831A0EC}" type="datetimeFigureOut">
               <a:rPr lang="en-US" smtClean="0"/>
-              <a:t>1/26/2018</a:t>
+              <a:t>12/23/2017</a:t>
             </a:fld>
             <a:endParaRPr lang="en-US"/>
           </a:p>
@@ -5885,7 +5864,7 @@
           <a:p>
             <a:fld id="{D33393BA-71B2-418D-8C60-58889831A0EC}" type="datetimeFigureOut">
               <a:rPr lang="en-US" smtClean="0"/>
-              <a:t>1/26/2018</a:t>
+              <a:t>12/23/2017</a:t>
             </a:fld>
             <a:endParaRPr lang="en-US"/>
           </a:p>
@@ -6149,7 +6128,7 @@
           <a:p>
             <a:fld id="{D33393BA-71B2-418D-8C60-58889831A0EC}" type="datetimeFigureOut">
               <a:rPr lang="en-US" smtClean="0"/>
-              <a:t>1/26/2018</a:t>
+              <a:t>12/23/2017</a:t>
             </a:fld>
             <a:endParaRPr lang="en-US"/>
           </a:p>
@@ -6376,7 +6355,7 @@
           <a:p>
             <a:fld id="{D33393BA-71B2-418D-8C60-58889831A0EC}" type="datetimeFigureOut">
               <a:rPr lang="en-US" smtClean="0"/>
-              <a:t>1/26/2018</a:t>
+              <a:t>12/23/2017</a:t>
             </a:fld>
             <a:endParaRPr lang="en-US"/>
           </a:p>
@@ -6466,7 +6445,7 @@
           <a:p>
             <a:fld id="{D33393BA-71B2-418D-8C60-58889831A0EC}" type="datetimeFigureOut">
               <a:rPr lang="en-US" smtClean="0"/>
-              <a:t>1/26/2018</a:t>
+              <a:t>12/23/2017</a:t>
             </a:fld>
             <a:endParaRPr lang="en-US"/>
           </a:p>
@@ -6754,7 +6733,7 @@
           <a:p>
             <a:fld id="{D33393BA-71B2-418D-8C60-58889831A0EC}" type="datetimeFigureOut">
               <a:rPr lang="en-US" smtClean="0"/>
-              <a:t>1/26/2018</a:t>
+              <a:t>12/23/2017</a:t>
             </a:fld>
             <a:endParaRPr lang="en-US"/>
           </a:p>
@@ -7023,7 +7002,7 @@
           <a:p>
             <a:fld id="{D33393BA-71B2-418D-8C60-58889831A0EC}" type="datetimeFigureOut">
               <a:rPr lang="en-US" smtClean="0"/>
-              <a:t>1/26/2018</a:t>
+              <a:t>12/23/2017</a:t>
             </a:fld>
             <a:endParaRPr lang="en-US"/>
           </a:p>
@@ -7188,7 +7167,7 @@
           <a:p>
             <a:fld id="{D33393BA-71B2-418D-8C60-58889831A0EC}" type="datetimeFigureOut">
               <a:rPr lang="en-US" smtClean="0"/>
-              <a:t>1/26/2018</a:t>
+              <a:t>12/23/2017</a:t>
             </a:fld>
             <a:endParaRPr lang="en-US"/>
           </a:p>
@@ -7363,7 +7342,7 @@
           <a:p>
             <a:fld id="{D33393BA-71B2-418D-8C60-58889831A0EC}" type="datetimeFigureOut">
               <a:rPr lang="en-US" smtClean="0"/>
-              <a:t>1/26/2018</a:t>
+              <a:t>12/23/2017</a:t>
             </a:fld>
             <a:endParaRPr lang="en-US"/>
           </a:p>
@@ -7650,7 +7629,7 @@
           <a:p>
             <a:fld id="{D33393BA-71B2-418D-8C60-58889831A0EC}" type="datetimeFigureOut">
               <a:rPr lang="en-US" smtClean="0"/>
-              <a:t>1/26/2018</a:t>
+              <a:t>12/23/2017</a:t>
             </a:fld>
             <a:endParaRPr lang="en-US"/>
           </a:p>
@@ -8089,7 +8068,7 @@
           <a:p>
             <a:fld id="{D33393BA-71B2-418D-8C60-58889831A0EC}" type="datetimeFigureOut">
               <a:rPr lang="en-US" smtClean="0"/>
-              <a:t>1/26/2018</a:t>
+              <a:t>12/23/2017</a:t>
             </a:fld>
             <a:endParaRPr lang="en-US"/>
           </a:p>
@@ -8219,7 +8198,7 @@
           <a:p>
             <a:fld id="{D33393BA-71B2-418D-8C60-58889831A0EC}" type="datetimeFigureOut">
               <a:rPr lang="en-US" smtClean="0"/>
-              <a:t>1/26/2018</a:t>
+              <a:t>12/23/2017</a:t>
             </a:fld>
             <a:endParaRPr lang="en-US"/>
           </a:p>
@@ -8326,7 +8305,7 @@
           <a:p>
             <a:fld id="{D33393BA-71B2-418D-8C60-58889831A0EC}" type="datetimeFigureOut">
               <a:rPr lang="en-US" smtClean="0"/>
-              <a:t>1/26/2018</a:t>
+              <a:t>12/23/2017</a:t>
             </a:fld>
             <a:endParaRPr lang="en-US"/>
           </a:p>
@@ -8615,7 +8594,7 @@
           <a:p>
             <a:fld id="{D33393BA-71B2-418D-8C60-58889831A0EC}" type="datetimeFigureOut">
               <a:rPr lang="en-US" smtClean="0"/>
-              <a:t>1/26/2018</a:t>
+              <a:t>12/23/2017</a:t>
             </a:fld>
             <a:endParaRPr lang="en-US"/>
           </a:p>
@@ -8884,7 +8863,7 @@
           <a:p>
             <a:fld id="{D33393BA-71B2-418D-8C60-58889831A0EC}" type="datetimeFigureOut">
               <a:rPr lang="en-US" smtClean="0"/>
-              <a:t>1/26/2018</a:t>
+              <a:t>12/23/2017</a:t>
             </a:fld>
             <a:endParaRPr lang="en-US"/>
           </a:p>
@@ -9144,7 +9123,7 @@
           <a:p>
             <a:fld id="{D33393BA-71B2-418D-8C60-58889831A0EC}" type="datetimeFigureOut">
               <a:rPr lang="en-US" smtClean="0"/>
-              <a:t>1/26/2018</a:t>
+              <a:t>12/23/2017</a:t>
             </a:fld>
             <a:endParaRPr lang="en-US"/>
           </a:p>
@@ -9985,7 +9964,7 @@
           <a:p>
             <a:fld id="{D33393BA-71B2-418D-8C60-58889831A0EC}" type="datetimeFigureOut">
               <a:rPr lang="en-US" smtClean="0"/>
-              <a:t>1/26/2018</a:t>
+              <a:t>12/23/2017</a:t>
             </a:fld>
             <a:endParaRPr lang="en-US"/>
           </a:p>
@@ -10666,7 +10645,7 @@
           <a:p>
             <a:fld id="{D33393BA-71B2-418D-8C60-58889831A0EC}" type="datetimeFigureOut">
               <a:rPr lang="en-US" smtClean="0"/>
-              <a:t>1/26/2018</a:t>
+              <a:t>12/23/2017</a:t>
             </a:fld>
             <a:endParaRPr lang="en-US"/>
           </a:p>
@@ -15796,9 +15775,6 @@
           </a:bodyPr>
           <a:lstStyle/>
           <a:p>
-            <a:pPr marL="514350" indent="-514350">
-              <a:buAutoNum type="arabicPeriod"/>
-            </a:pPr>
             <a:r>
               <a:rPr lang="en-US" sz="2800" b="1" dirty="0" smtClean="0">
                 <a:solidFill>
@@ -15809,19 +15785,7 @@
                 <a:latin typeface="Times New Roman" panose="02020603050405020304" pitchFamily="18" charset="0"/>
                 <a:cs typeface="Times New Roman" panose="02020603050405020304" pitchFamily="18" charset="0"/>
               </a:rPr>
-              <a:t>Angular </a:t>
-            </a:r>
-            <a:r>
-              <a:rPr lang="en-US" sz="2800" b="1" dirty="0" smtClean="0">
-                <a:solidFill>
-                  <a:schemeClr val="accent1">
-                    <a:lumMod val="50000"/>
-                  </a:schemeClr>
-                </a:solidFill>
-                <a:latin typeface="Times New Roman" panose="02020603050405020304" pitchFamily="18" charset="0"/>
-                <a:cs typeface="Times New Roman" panose="02020603050405020304" pitchFamily="18" charset="0"/>
-              </a:rPr>
-              <a:t>CLI: </a:t>
+              <a:t>1. Angular CLI: </a:t>
             </a:r>
             <a:r>
               <a:rPr lang="en-US" sz="2800" i="1" dirty="0" err="1">
@@ -15848,38 +15812,15 @@
               <a:t>-g </a:t>
             </a:r>
             <a:r>
-              <a:rPr lang="en-US" sz="2800" i="1" dirty="0" smtClean="0">
+              <a:rPr lang="en-US" sz="2800" b="1" i="1" dirty="0" smtClean="0">
                 <a:solidFill>
-                  <a:schemeClr val="tx2">
-                    <a:lumMod val="75000"/>
-                  </a:schemeClr>
+                  <a:schemeClr val="tx2"/>
                 </a:solidFill>
                 <a:latin typeface="Times New Roman" panose="02020603050405020304" pitchFamily="18" charset="0"/>
                 <a:cs typeface="Times New Roman" panose="02020603050405020304" pitchFamily="18" charset="0"/>
               </a:rPr>
-              <a:t>@</a:t>
-            </a:r>
-            <a:r>
-              <a:rPr lang="en-US" sz="2800" b="1" i="1" dirty="0" smtClean="0">
-                <a:solidFill>
-                  <a:schemeClr val="tx2">
-                    <a:lumMod val="75000"/>
-                  </a:schemeClr>
-                </a:solidFill>
-                <a:latin typeface="Times New Roman" panose="02020603050405020304" pitchFamily="18" charset="0"/>
-                <a:cs typeface="Times New Roman" panose="02020603050405020304" pitchFamily="18" charset="0"/>
-              </a:rPr>
-              <a:t>angular/cli </a:t>
-            </a:r>
-            <a:endParaRPr lang="en-US" sz="2800" b="1" i="1" dirty="0" smtClean="0">
-              <a:solidFill>
-                <a:schemeClr val="tx2">
-                  <a:lumMod val="75000"/>
-                </a:schemeClr>
-              </a:solidFill>
-              <a:latin typeface="Times New Roman" panose="02020603050405020304" pitchFamily="18" charset="0"/>
-              <a:cs typeface="Times New Roman" panose="02020603050405020304" pitchFamily="18" charset="0"/>
-            </a:endParaRPr>
+              <a:t>angular-cli </a:t>
+            </a:r>
           </a:p>
           <a:p>
             <a:r>
@@ -16535,17 +16476,8 @@
                 <a:latin typeface="Times New Roman" panose="02020603050405020304" pitchFamily="18" charset="0"/>
                 <a:cs typeface="Times New Roman" panose="02020603050405020304" pitchFamily="18" charset="0"/>
               </a:rPr>
-              <a:t>1. Browser Module</a:t>
-            </a:r>
-            <a:endParaRPr lang="en-US" sz="2800" b="1" i="1" dirty="0" smtClean="0">
-              <a:solidFill>
-                <a:schemeClr val="tx2"/>
-              </a:solidFill>
-              <a:latin typeface="Times New Roman" panose="02020603050405020304" pitchFamily="18" charset="0"/>
-              <a:cs typeface="Times New Roman" panose="02020603050405020304" pitchFamily="18" charset="0"/>
-            </a:endParaRPr>
-          </a:p>
-          <a:p>
+              <a:t>1. </a:t>
+            </a:r>
             <a:r>
               <a:rPr lang="en-US" sz="2800" b="1" dirty="0" smtClean="0">
                 <a:solidFill>
@@ -16556,7 +16488,40 @@
                 <a:latin typeface="Times New Roman" panose="02020603050405020304" pitchFamily="18" charset="0"/>
                 <a:cs typeface="Times New Roman" panose="02020603050405020304" pitchFamily="18" charset="0"/>
               </a:rPr>
-              <a:t>2. Forms Module</a:t>
+              <a:t>Browser Module</a:t>
+            </a:r>
+            <a:endParaRPr lang="en-US" sz="2800" b="1" i="1" dirty="0" smtClean="0">
+              <a:solidFill>
+                <a:schemeClr val="tx2"/>
+              </a:solidFill>
+              <a:latin typeface="Times New Roman" panose="02020603050405020304" pitchFamily="18" charset="0"/>
+              <a:cs typeface="Times New Roman" panose="02020603050405020304" pitchFamily="18" charset="0"/>
+            </a:endParaRPr>
+          </a:p>
+          <a:p>
+            <a:r>
+              <a:rPr lang="en-US" sz="2800" b="1" dirty="0" smtClean="0">
+                <a:solidFill>
+                  <a:schemeClr val="accent1">
+                    <a:lumMod val="50000"/>
+                  </a:schemeClr>
+                </a:solidFill>
+                <a:latin typeface="Times New Roman" panose="02020603050405020304" pitchFamily="18" charset="0"/>
+                <a:cs typeface="Times New Roman" panose="02020603050405020304" pitchFamily="18" charset="0"/>
+              </a:rPr>
+              <a:t>2. </a:t>
+            </a:r>
+            <a:r>
+              <a:rPr lang="en-US" sz="2800" b="1" dirty="0" smtClean="0">
+                <a:solidFill>
+                  <a:schemeClr val="accent1">
+                    <a:lumMod val="50000"/>
+                  </a:schemeClr>
+                </a:solidFill>
+                <a:latin typeface="Times New Roman" panose="02020603050405020304" pitchFamily="18" charset="0"/>
+                <a:cs typeface="Times New Roman" panose="02020603050405020304" pitchFamily="18" charset="0"/>
+              </a:rPr>
+              <a:t>Forms Module</a:t>
             </a:r>
             <a:endParaRPr lang="en-US" sz="2800" b="1" i="1" dirty="0" smtClean="0">
               <a:solidFill>
